--- a/[TSOF] - Aula2_TesteUnitário.pptx
+++ b/[TSOF] - Aula2_TesteUnitário.pptx
@@ -5,10 +5,10 @@
     <p:sldMasterId id="2147483648" r:id="rId3"/>
   </p:sldMasterIdLst>
   <p:notesMasterIdLst>
-    <p:notesMasterId r:id="rId23"/>
+    <p:notesMasterId r:id="rId24"/>
   </p:notesMasterIdLst>
   <p:handoutMasterIdLst>
-    <p:handoutMasterId r:id="rId24"/>
+    <p:handoutMasterId r:id="rId25"/>
   </p:handoutMasterIdLst>
   <p:sldIdLst>
     <p:sldId id="298" r:id="rId4"/>
@@ -30,6 +30,7 @@
     <p:sldId id="339" r:id="rId20"/>
     <p:sldId id="340" r:id="rId21"/>
     <p:sldId id="341" r:id="rId22"/>
+    <p:sldId id="343" r:id="rId23"/>
   </p:sldIdLst>
   <p:sldSz cx="12192000" cy="6858000"/>
   <p:notesSz cx="6858000" cy="9144000"/>
@@ -235,7 +236,7 @@
             <a:pPr rtl="0"/>
             <a:fld id="{59696519-77A5-42E9-9F7C-68841B76CE9F}" type="datetime1">
               <a:rPr lang="pt-BR" smtClean="0"/>
-              <a:t>05/02/2025</a:t>
+              <a:t>20/02/2025</a:t>
             </a:fld>
             <a:endParaRPr lang="pt-BR" dirty="0"/>
           </a:p>
@@ -416,7 +417,7 @@
             <a:fld id="{DBE01C0E-6041-40BD-877C-FB9FBD0CE1C9}" type="datetime1">
               <a:rPr lang="pt-BR" smtClean="0"/>
               <a:pPr/>
-              <a:t>05/02/2025</a:t>
+              <a:t>20/02/2025</a:t>
             </a:fld>
             <a:endParaRPr lang="pt-BR" dirty="0"/>
           </a:p>
@@ -3032,7 +3033,7 @@
           <a:p>
             <a:fld id="{20B09755-C293-4A33-93C2-79B01653C9ED}" type="datetimeFigureOut">
               <a:rPr lang="pt-BR" smtClean="0"/>
-              <a:t>05/02/2025</a:t>
+              <a:t>20/02/2025</a:t>
             </a:fld>
             <a:endParaRPr lang="pt-BR"/>
           </a:p>
@@ -14986,6 +14987,177 @@
     <p:extLst>
       <p:ext uri="{BB962C8B-B14F-4D97-AF65-F5344CB8AC3E}">
         <p14:creationId xmlns:p14="http://schemas.microsoft.com/office/powerpoint/2010/main" val="3628510669"/>
+      </p:ext>
+    </p:extLst>
+  </p:cSld>
+  <p:clrMapOvr>
+    <a:masterClrMapping/>
+  </p:clrMapOvr>
+</p:sld>
+</file>
+
+<file path=ppt/slides/slide20.xml><?xml version="1.0" encoding="utf-8"?>
+<p:sld xmlns:a="http://schemas.openxmlformats.org/drawingml/2006/main" xmlns:r="http://schemas.openxmlformats.org/officeDocument/2006/relationships" xmlns:p="http://schemas.openxmlformats.org/presentationml/2006/main">
+  <p:cSld>
+    <p:spTree>
+      <p:nvGrpSpPr>
+        <p:cNvPr id="1" name=""/>
+        <p:cNvGrpSpPr/>
+        <p:nvPr/>
+      </p:nvGrpSpPr>
+      <p:grpSpPr>
+        <a:xfrm>
+          <a:off x="0" y="0"/>
+          <a:ext cx="0" cy="0"/>
+          <a:chOff x="0" y="0"/>
+          <a:chExt cx="0" cy="0"/>
+        </a:xfrm>
+      </p:grpSpPr>
+      <p:pic>
+        <p:nvPicPr>
+          <p:cNvPr id="9" name="Picture 4" descr="Não perca: nova turma do curso de Mestre de Obras em Campinas | Sinduscon-SP">
+            <a:extLst>
+              <a:ext uri="{FF2B5EF4-FFF2-40B4-BE49-F238E27FC236}">
+                <a16:creationId xmlns:a16="http://schemas.microsoft.com/office/drawing/2014/main" id="{1B322288-9936-4230-968C-2BF0FE8E9807}"/>
+              </a:ext>
+            </a:extLst>
+          </p:cNvPr>
+          <p:cNvPicPr>
+            <a:picLocks noChangeAspect="1" noChangeArrowheads="1"/>
+          </p:cNvPicPr>
+          <p:nvPr/>
+        </p:nvPicPr>
+        <p:blipFill>
+          <a:blip r:embed="rId2">
+            <a:extLst>
+              <a:ext uri="{28A0092B-C50C-407E-A947-70E740481C1C}">
+                <a14:useLocalDpi xmlns:a14="http://schemas.microsoft.com/office/drawing/2010/main" val="0"/>
+              </a:ext>
+            </a:extLst>
+          </a:blip>
+          <a:srcRect/>
+          <a:stretch>
+            <a:fillRect/>
+          </a:stretch>
+        </p:blipFill>
+        <p:spPr bwMode="auto">
+          <a:xfrm>
+            <a:off x="9731829" y="6232541"/>
+            <a:ext cx="2460171" cy="624717"/>
+          </a:xfrm>
+          <a:prstGeom prst="rect">
+            <a:avLst/>
+          </a:prstGeom>
+          <a:noFill/>
+          <a:extLst>
+            <a:ext uri="{909E8E84-426E-40DD-AFC4-6F175D3DCCD1}">
+              <a14:hiddenFill xmlns:a14="http://schemas.microsoft.com/office/drawing/2010/main">
+                <a:solidFill>
+                  <a:srgbClr val="FFFFFF"/>
+                </a:solidFill>
+              </a14:hiddenFill>
+            </a:ext>
+          </a:extLst>
+        </p:spPr>
+      </p:pic>
+      <p:sp>
+        <p:nvSpPr>
+          <p:cNvPr id="11" name="Título 6">
+            <a:extLst>
+              <a:ext uri="{FF2B5EF4-FFF2-40B4-BE49-F238E27FC236}">
+                <a16:creationId xmlns:a16="http://schemas.microsoft.com/office/drawing/2014/main" id="{9464E3AD-DB3A-4F13-A8F8-D70585A76944}"/>
+              </a:ext>
+            </a:extLst>
+          </p:cNvPr>
+          <p:cNvSpPr txBox="1">
+            <a:spLocks/>
+          </p:cNvSpPr>
+          <p:nvPr/>
+        </p:nvSpPr>
+        <p:spPr>
+          <a:xfrm>
+            <a:off x="432000" y="254807"/>
+            <a:ext cx="11328000" cy="432000"/>
+          </a:xfrm>
+          <a:prstGeom prst="rect">
+            <a:avLst/>
+          </a:prstGeom>
+        </p:spPr>
+        <p:txBody>
+          <a:bodyPr vert="horz" lIns="0" tIns="0" rIns="0" bIns="0" rtlCol="0" anchor="ctr">
+            <a:noAutofit/>
+          </a:bodyPr>
+          <a:lstStyle>
+            <a:lvl1pPr algn="l" defTabSz="914400" rtl="0" eaLnBrk="1" latinLnBrk="0" hangingPunct="1">
+              <a:lnSpc>
+                <a:spcPct val="90000"/>
+              </a:lnSpc>
+              <a:spcBef>
+                <a:spcPct val="0"/>
+              </a:spcBef>
+              <a:buNone/>
+              <a:defRPr sz="3200" b="1" kern="1200" spc="-150">
+                <a:solidFill>
+                  <a:schemeClr val="tx1">
+                    <a:lumMod val="75000"/>
+                    <a:lumOff val="25000"/>
+                  </a:schemeClr>
+                </a:solidFill>
+                <a:latin typeface="+mj-lt"/>
+                <a:ea typeface="+mj-ea"/>
+                <a:cs typeface="+mj-cs"/>
+              </a:defRPr>
+            </a:lvl1pPr>
+          </a:lstStyle>
+          <a:p>
+            <a:r>
+              <a:rPr lang="pt-BR" dirty="0">
+                <a:solidFill>
+                  <a:srgbClr val="C00000"/>
+                </a:solidFill>
+                <a:latin typeface="Arial" panose="020B0604020202020204" pitchFamily="34" charset="0"/>
+                <a:ea typeface="Cambria" panose="02040503050406030204" pitchFamily="18" charset="0"/>
+                <a:cs typeface="Arial" panose="020B0604020202020204" pitchFamily="34" charset="0"/>
+              </a:rPr>
+              <a:t>Teste – Níveis</a:t>
+            </a:r>
+          </a:p>
+        </p:txBody>
+      </p:sp>
+      <p:pic>
+        <p:nvPicPr>
+          <p:cNvPr id="2" name="Imagem 1">
+            <a:extLst>
+              <a:ext uri="{FF2B5EF4-FFF2-40B4-BE49-F238E27FC236}">
+                <a16:creationId xmlns:a16="http://schemas.microsoft.com/office/drawing/2014/main" id="{6FEFB796-718C-4CE1-813D-FD3308123711}"/>
+              </a:ext>
+            </a:extLst>
+          </p:cNvPr>
+          <p:cNvPicPr>
+            <a:picLocks noChangeAspect="1"/>
+          </p:cNvPicPr>
+          <p:nvPr/>
+        </p:nvPicPr>
+        <p:blipFill>
+          <a:blip r:embed="rId3"/>
+          <a:stretch>
+            <a:fillRect/>
+          </a:stretch>
+        </p:blipFill>
+        <p:spPr>
+          <a:xfrm>
+            <a:off x="2659528" y="770476"/>
+            <a:ext cx="6520537" cy="5832717"/>
+          </a:xfrm>
+          <a:prstGeom prst="rect">
+            <a:avLst/>
+          </a:prstGeom>
+        </p:spPr>
+      </p:pic>
+    </p:spTree>
+    <p:extLst>
+      <p:ext uri="{BB962C8B-B14F-4D97-AF65-F5344CB8AC3E}">
+        <p14:creationId xmlns:p14="http://schemas.microsoft.com/office/powerpoint/2010/main" val="1846677015"/>
       </p:ext>
     </p:extLst>
   </p:cSld>
@@ -19776,6 +19948,15 @@
 </file>
 
 <file path=customXml/item1.xml><?xml version="1.0" encoding="utf-8"?>
+<p:properties xmlns:p="http://schemas.microsoft.com/office/2006/metadata/properties" xmlns:xsi="http://www.w3.org/2001/XMLSchema-instance" xmlns:pc="http://schemas.microsoft.com/office/infopath/2007/PartnerControls">
+  <documentManagement>
+    <_ip_UnifiedCompliancePolicyUIAction xmlns="http://schemas.microsoft.com/sharepoint/v3" xsi:nil="true"/>
+    <_ip_UnifiedCompliancePolicyProperties xmlns="http://schemas.microsoft.com/sharepoint/v3" xsi:nil="true"/>
+  </documentManagement>
+</p:properties>
+</file>
+
+<file path=customXml/item2.xml><?xml version="1.0" encoding="utf-8"?>
 <ct:contentTypeSchema xmlns:ct="http://schemas.microsoft.com/office/2006/metadata/contentType" xmlns:ma="http://schemas.microsoft.com/office/2006/metadata/properties/metaAttributes" ct:_="" ma:_="" ma:contentTypeName="Document" ma:contentTypeID="0x010100DEEA25CC0A0AC24199CDC46C25B8B0BC" ma:contentTypeVersion="9" ma:contentTypeDescription="Create a new document." ma:contentTypeScope="" ma:versionID="76e25e1730b4532ab1d5e5b131a96a5a">
   <xsd:schema xmlns:xsd="http://www.w3.org/2001/XMLSchema" xmlns:xs="http://www.w3.org/2001/XMLSchema" xmlns:p="http://schemas.microsoft.com/office/2006/metadata/properties" xmlns:ns1="http://schemas.microsoft.com/sharepoint/v3" xmlns:ns2="6dc4bcd6-49db-4c07-9060-8acfc67cef9f" xmlns:ns3="fb0879af-3eba-417a-a55a-ffe6dcd6ca77" targetNamespace="http://schemas.microsoft.com/office/2006/metadata/properties" ma:root="true" ma:fieldsID="ad1e9281a84c4949647088091c718de3" ns1:_="" ns2:_="" ns3:_="">
     <xsd:import namespace="http://schemas.microsoft.com/sharepoint/v3"/>
@@ -19977,16 +20158,25 @@
 </ct:contentTypeSchema>
 </file>
 
-<file path=customXml/item2.xml><?xml version="1.0" encoding="utf-8"?>
-<p:properties xmlns:p="http://schemas.microsoft.com/office/2006/metadata/properties" xmlns:xsi="http://www.w3.org/2001/XMLSchema-instance" xmlns:pc="http://schemas.microsoft.com/office/infopath/2007/PartnerControls">
-  <documentManagement>
-    <_ip_UnifiedCompliancePolicyUIAction xmlns="http://schemas.microsoft.com/sharepoint/v3" xsi:nil="true"/>
-    <_ip_UnifiedCompliancePolicyProperties xmlns="http://schemas.microsoft.com/sharepoint/v3" xsi:nil="true"/>
-  </documentManagement>
-</p:properties>
+<file path=customXml/itemProps1.xml><?xml version="1.0" encoding="utf-8"?>
+<ds:datastoreItem xmlns:ds="http://schemas.openxmlformats.org/officeDocument/2006/customXml" ds:itemID="{EB2218FC-8412-44B9-9E82-D51F1F531141}">
+  <ds:schemaRefs>
+    <ds:schemaRef ds:uri="http://purl.org/dc/terms/"/>
+    <ds:schemaRef ds:uri="fb0879af-3eba-417a-a55a-ffe6dcd6ca77"/>
+    <ds:schemaRef ds:uri="http://schemas.microsoft.com/office/2006/documentManagement/types"/>
+    <ds:schemaRef ds:uri="http://purl.org/dc/dcmitype/"/>
+    <ds:schemaRef ds:uri="6dc4bcd6-49db-4c07-9060-8acfc67cef9f"/>
+    <ds:schemaRef ds:uri="http://schemas.microsoft.com/office/2006/metadata/properties"/>
+    <ds:schemaRef ds:uri="http://schemas.microsoft.com/office/infopath/2007/PartnerControls"/>
+    <ds:schemaRef ds:uri="http://purl.org/dc/elements/1.1/"/>
+    <ds:schemaRef ds:uri="http://schemas.microsoft.com/sharepoint/v3"/>
+    <ds:schemaRef ds:uri="http://schemas.openxmlformats.org/package/2006/metadata/core-properties"/>
+    <ds:schemaRef ds:uri="http://www.w3.org/XML/1998/namespace"/>
+  </ds:schemaRefs>
+</ds:datastoreItem>
 </file>
 
-<file path=customXml/itemProps1.xml><?xml version="1.0" encoding="utf-8"?>
+<file path=customXml/itemProps2.xml><?xml version="1.0" encoding="utf-8"?>
 <ds:datastoreItem xmlns:ds="http://schemas.openxmlformats.org/officeDocument/2006/customXml" ds:itemID="{B64A4C9D-F801-4923-BC6D-E0006F512331}">
   <ds:schemaRefs>
     <ds:schemaRef ds:uri="http://schemas.microsoft.com/office/2006/metadata/contentType"/>
@@ -20004,22 +20194,4 @@
     <ds:schemaRef ds:uri="http://schemas.microsoft.com/internal/obd"/>
   </ds:schemaRefs>
 </ds:datastoreItem>
-</file>
-
-<file path=customXml/itemProps2.xml><?xml version="1.0" encoding="utf-8"?>
-<ds:datastoreItem xmlns:ds="http://schemas.openxmlformats.org/officeDocument/2006/customXml" ds:itemID="{EB2218FC-8412-44B9-9E82-D51F1F531141}">
-  <ds:schemaRefs>
-    <ds:schemaRef ds:uri="fb0879af-3eba-417a-a55a-ffe6dcd6ca77"/>
-    <ds:schemaRef ds:uri="http://schemas.microsoft.com/office/infopath/2007/PartnerControls"/>
-    <ds:schemaRef ds:uri="http://schemas.microsoft.com/sharepoint/v3"/>
-    <ds:schemaRef ds:uri="http://schemas.microsoft.com/office/2006/metadata/properties"/>
-    <ds:schemaRef ds:uri="6dc4bcd6-49db-4c07-9060-8acfc67cef9f"/>
-    <ds:schemaRef ds:uri="http://schemas.microsoft.com/office/2006/documentManagement/types"/>
-    <ds:schemaRef ds:uri="http://www.w3.org/XML/1998/namespace"/>
-    <ds:schemaRef ds:uri="http://purl.org/dc/terms/"/>
-    <ds:schemaRef ds:uri="http://schemas.openxmlformats.org/package/2006/metadata/core-properties"/>
-    <ds:schemaRef ds:uri="http://purl.org/dc/dcmitype/"/>
-    <ds:schemaRef ds:uri="http://purl.org/dc/elements/1.1/"/>
-  </ds:schemaRefs>
-</ds:datastoreItem>
 </file>